--- a/Tryton 6.0 - Doc 80.01 - Ancillaries.pptx
+++ b/Tryton 6.0 - Doc 80.01 - Ancillaries.pptx
@@ -12,8 +12,8 @@
     <p:sldId id="747" r:id="rId3"/>
     <p:sldId id="817" r:id="rId4"/>
     <p:sldId id="751" r:id="rId5"/>
-    <p:sldId id="748" r:id="rId6"/>
-    <p:sldId id="818" r:id="rId7"/>
+    <p:sldId id="821" r:id="rId6"/>
+    <p:sldId id="748" r:id="rId7"/>
     <p:sldId id="819" r:id="rId8"/>
     <p:sldId id="820" r:id="rId9"/>
   </p:sldIdLst>
@@ -127,8 +127,8 @@
         <p14:section name="Attachments &amp; Notes" id="{8DBDCA13-8E32-4B7B-954C-1406A0D3C50E}">
           <p14:sldIdLst>
             <p14:sldId id="751"/>
+            <p14:sldId id="821"/>
             <p14:sldId id="748"/>
-            <p14:sldId id="818"/>
             <p14:sldId id="819"/>
             <p14:sldId id="820"/>
           </p14:sldIdLst>
@@ -224,7 +224,7 @@
           <a:p>
             <a:fld id="{F8FD9220-3D18-4077-BD0E-AFA621EE8E9B}" type="datetimeFigureOut">
               <a:rPr lang="en-BE" smtClean="0"/>
-              <a:t>19/05/2021</a:t>
+              <a:t>20/05/2021</a:t>
             </a:fld>
             <a:endParaRPr lang="en-BE"/>
           </a:p>
@@ -5236,6 +5236,36 @@
           </a:p>
         </p:txBody>
       </p:sp>
+      <p:pic>
+        <p:nvPicPr>
+          <p:cNvPr id="6" name="Picture 5">
+            <a:extLst>
+              <a:ext uri="{FF2B5EF4-FFF2-40B4-BE49-F238E27FC236}">
+                <a16:creationId xmlns:a16="http://schemas.microsoft.com/office/drawing/2014/main" id="{5C2E526F-0DD7-423F-A927-8AFACF125EC5}"/>
+              </a:ext>
+            </a:extLst>
+          </p:cNvPr>
+          <p:cNvPicPr>
+            <a:picLocks noChangeAspect="1"/>
+          </p:cNvPicPr>
+          <p:nvPr/>
+        </p:nvPicPr>
+        <p:blipFill>
+          <a:blip r:embed="rId5"/>
+          <a:stretch>
+            <a:fillRect/>
+          </a:stretch>
+        </p:blipFill>
+        <p:spPr>
+          <a:xfrm>
+            <a:off x="10191750" y="0"/>
+            <a:ext cx="2000250" cy="5210175"/>
+          </a:xfrm>
+          <a:prstGeom prst="rect">
+            <a:avLst/>
+          </a:prstGeom>
+        </p:spPr>
+      </p:pic>
     </p:spTree>
     <p:extLst>
       <p:ext uri="{BB962C8B-B14F-4D97-AF65-F5344CB8AC3E}">
@@ -5712,12 +5742,8 @@
           <a:lstStyle/>
           <a:p>
             <a:r>
-              <a:rPr lang="fr-BE" dirty="0"/>
-              <a:t>Configuration </a:t>
-            </a:r>
-            <a:r>
               <a:rPr lang="fr-BE" dirty="0" err="1"/>
-              <a:t>Wizard</a:t>
+              <a:t>Create</a:t>
             </a:r>
             <a:endParaRPr lang="en-BE" dirty="0"/>
           </a:p>
@@ -5757,12 +5783,102 @@
           </a:p>
         </p:txBody>
       </p:sp>
-      <p:sp>
-        <p:nvSpPr>
-          <p:cNvPr id="9" name="Rectangle 8">
-            <a:extLst>
-              <a:ext uri="{FF2B5EF4-FFF2-40B4-BE49-F238E27FC236}">
-                <a16:creationId xmlns:a16="http://schemas.microsoft.com/office/drawing/2014/main" id="{1DDBEB0C-C888-4D41-8400-77BD869851AE}"/>
+      <p:pic>
+        <p:nvPicPr>
+          <p:cNvPr id="3" name="Picture 2">
+            <a:extLst>
+              <a:ext uri="{FF2B5EF4-FFF2-40B4-BE49-F238E27FC236}">
+                <a16:creationId xmlns:a16="http://schemas.microsoft.com/office/drawing/2014/main" id="{3FF90B6A-11C0-49A8-B348-34C26BA3EB56}"/>
+              </a:ext>
+            </a:extLst>
+          </p:cNvPr>
+          <p:cNvPicPr>
+            <a:picLocks noChangeAspect="1"/>
+          </p:cNvPicPr>
+          <p:nvPr/>
+        </p:nvPicPr>
+        <p:blipFill>
+          <a:blip r:embed="rId2"/>
+          <a:stretch>
+            <a:fillRect/>
+          </a:stretch>
+        </p:blipFill>
+        <p:spPr>
+          <a:xfrm>
+            <a:off x="838200" y="892785"/>
+            <a:ext cx="6181725" cy="1819275"/>
+          </a:xfrm>
+          <a:prstGeom prst="rect">
+            <a:avLst/>
+          </a:prstGeom>
+        </p:spPr>
+      </p:pic>
+      <p:pic>
+        <p:nvPicPr>
+          <p:cNvPr id="7" name="Picture 6">
+            <a:extLst>
+              <a:ext uri="{FF2B5EF4-FFF2-40B4-BE49-F238E27FC236}">
+                <a16:creationId xmlns:a16="http://schemas.microsoft.com/office/drawing/2014/main" id="{C0634267-80F8-4253-AE07-4DCEA15D7996}"/>
+              </a:ext>
+            </a:extLst>
+          </p:cNvPr>
+          <p:cNvPicPr>
+            <a:picLocks noChangeAspect="1"/>
+          </p:cNvPicPr>
+          <p:nvPr/>
+        </p:nvPicPr>
+        <p:blipFill>
+          <a:blip r:embed="rId3"/>
+          <a:stretch>
+            <a:fillRect/>
+          </a:stretch>
+        </p:blipFill>
+        <p:spPr>
+          <a:xfrm>
+            <a:off x="838200" y="2993577"/>
+            <a:ext cx="9444318" cy="1656503"/>
+          </a:xfrm>
+          <a:prstGeom prst="rect">
+            <a:avLst/>
+          </a:prstGeom>
+        </p:spPr>
+      </p:pic>
+      <p:pic>
+        <p:nvPicPr>
+          <p:cNvPr id="10" name="Picture 9">
+            <a:extLst>
+              <a:ext uri="{FF2B5EF4-FFF2-40B4-BE49-F238E27FC236}">
+                <a16:creationId xmlns:a16="http://schemas.microsoft.com/office/drawing/2014/main" id="{D9CCA2B8-8E95-4F1E-94CD-3E890E63DE72}"/>
+              </a:ext>
+            </a:extLst>
+          </p:cNvPr>
+          <p:cNvPicPr>
+            <a:picLocks noChangeAspect="1"/>
+          </p:cNvPicPr>
+          <p:nvPr/>
+        </p:nvPicPr>
+        <p:blipFill>
+          <a:blip r:embed="rId4"/>
+          <a:stretch>
+            <a:fillRect/>
+          </a:stretch>
+        </p:blipFill>
+        <p:spPr>
+          <a:xfrm>
+            <a:off x="838200" y="5065557"/>
+            <a:ext cx="5980579" cy="1799315"/>
+          </a:xfrm>
+          <a:prstGeom prst="rect">
+            <a:avLst/>
+          </a:prstGeom>
+        </p:spPr>
+      </p:pic>
+      <p:sp>
+        <p:nvSpPr>
+          <p:cNvPr id="11" name="Rectangle 10">
+            <a:extLst>
+              <a:ext uri="{FF2B5EF4-FFF2-40B4-BE49-F238E27FC236}">
+                <a16:creationId xmlns:a16="http://schemas.microsoft.com/office/drawing/2014/main" id="{09926DF4-5504-4F18-8B53-2DE07302D5C8}"/>
               </a:ext>
             </a:extLst>
           </p:cNvPr>
@@ -5778,7 +5894,10 @@
             <a:avLst/>
           </a:prstGeom>
           <a:solidFill>
-            <a:srgbClr val="92D050"/>
+            <a:schemeClr val="accent2">
+              <a:lumMod val="60000"/>
+              <a:lumOff val="40000"/>
+            </a:schemeClr>
           </a:solidFill>
           <a:ln>
             <a:noFill/>
@@ -5809,70 +5928,10 @@
           </a:p>
         </p:txBody>
       </p:sp>
-      <p:pic>
-        <p:nvPicPr>
-          <p:cNvPr id="5" name="Picture 4">
-            <a:extLst>
-              <a:ext uri="{FF2B5EF4-FFF2-40B4-BE49-F238E27FC236}">
-                <a16:creationId xmlns:a16="http://schemas.microsoft.com/office/drawing/2014/main" id="{F75D45F5-E837-41DC-A6F7-4E6F65A26BE2}"/>
-              </a:ext>
-            </a:extLst>
-          </p:cNvPr>
-          <p:cNvPicPr>
-            <a:picLocks noChangeAspect="1"/>
-          </p:cNvPicPr>
-          <p:nvPr/>
-        </p:nvPicPr>
-        <p:blipFill>
-          <a:blip r:embed="rId2"/>
-          <a:stretch>
-            <a:fillRect/>
-          </a:stretch>
-        </p:blipFill>
-        <p:spPr>
-          <a:xfrm>
-            <a:off x="838200" y="3033219"/>
-            <a:ext cx="10566863" cy="2030573"/>
-          </a:xfrm>
-          <a:prstGeom prst="rect">
-            <a:avLst/>
-          </a:prstGeom>
-        </p:spPr>
-      </p:pic>
-      <p:pic>
-        <p:nvPicPr>
-          <p:cNvPr id="3" name="Picture 2">
-            <a:extLst>
-              <a:ext uri="{FF2B5EF4-FFF2-40B4-BE49-F238E27FC236}">
-                <a16:creationId xmlns:a16="http://schemas.microsoft.com/office/drawing/2014/main" id="{3FF90B6A-11C0-49A8-B348-34C26BA3EB56}"/>
-              </a:ext>
-            </a:extLst>
-          </p:cNvPr>
-          <p:cNvPicPr>
-            <a:picLocks noChangeAspect="1"/>
-          </p:cNvPicPr>
-          <p:nvPr/>
-        </p:nvPicPr>
-        <p:blipFill>
-          <a:blip r:embed="rId3"/>
-          <a:stretch>
-            <a:fillRect/>
-          </a:stretch>
-        </p:blipFill>
-        <p:spPr>
-          <a:xfrm>
-            <a:off x="838200" y="892785"/>
-            <a:ext cx="6181725" cy="1819275"/>
-          </a:xfrm>
-          <a:prstGeom prst="rect">
-            <a:avLst/>
-          </a:prstGeom>
-        </p:spPr>
-      </p:pic>
     </p:spTree>
     <p:extLst>
       <p:ext uri="{BB962C8B-B14F-4D97-AF65-F5344CB8AC3E}">
-        <p14:creationId xmlns:p14="http://schemas.microsoft.com/office/powerpoint/2010/main" val="344660939"/>
+        <p14:creationId xmlns:p14="http://schemas.microsoft.com/office/powerpoint/2010/main" val="348627418"/>
       </p:ext>
     </p:extLst>
   </p:cSld>
@@ -5922,11 +5981,7 @@
           <a:p>
             <a:r>
               <a:rPr lang="fr-BE" dirty="0"/>
-              <a:t>Configuration </a:t>
-            </a:r>
-            <a:r>
-              <a:rPr lang="fr-BE" dirty="0" err="1"/>
-              <a:t>Wizard</a:t>
+              <a:t>Access</a:t>
             </a:r>
             <a:endParaRPr lang="en-BE" dirty="0"/>
           </a:p>
@@ -5966,12 +6021,72 @@
           </a:p>
         </p:txBody>
       </p:sp>
-      <p:sp>
-        <p:nvSpPr>
-          <p:cNvPr id="9" name="Rectangle 8">
-            <a:extLst>
-              <a:ext uri="{FF2B5EF4-FFF2-40B4-BE49-F238E27FC236}">
-                <a16:creationId xmlns:a16="http://schemas.microsoft.com/office/drawing/2014/main" id="{1DDBEB0C-C888-4D41-8400-77BD869851AE}"/>
+      <p:pic>
+        <p:nvPicPr>
+          <p:cNvPr id="7" name="Picture 6">
+            <a:extLst>
+              <a:ext uri="{FF2B5EF4-FFF2-40B4-BE49-F238E27FC236}">
+                <a16:creationId xmlns:a16="http://schemas.microsoft.com/office/drawing/2014/main" id="{9D3E220C-01B3-46A8-9B7B-3BBC1AE1AC9B}"/>
+              </a:ext>
+            </a:extLst>
+          </p:cNvPr>
+          <p:cNvPicPr>
+            <a:picLocks noChangeAspect="1"/>
+          </p:cNvPicPr>
+          <p:nvPr/>
+        </p:nvPicPr>
+        <p:blipFill>
+          <a:blip r:embed="rId2"/>
+          <a:stretch>
+            <a:fillRect/>
+          </a:stretch>
+        </p:blipFill>
+        <p:spPr>
+          <a:xfrm>
+            <a:off x="838199" y="3387264"/>
+            <a:ext cx="6811153" cy="2678255"/>
+          </a:xfrm>
+          <a:prstGeom prst="rect">
+            <a:avLst/>
+          </a:prstGeom>
+        </p:spPr>
+      </p:pic>
+      <p:pic>
+        <p:nvPicPr>
+          <p:cNvPr id="10" name="Picture 9">
+            <a:extLst>
+              <a:ext uri="{FF2B5EF4-FFF2-40B4-BE49-F238E27FC236}">
+                <a16:creationId xmlns:a16="http://schemas.microsoft.com/office/drawing/2014/main" id="{76FEB5AD-2DC2-47B2-BAF8-F3E39A531D58}"/>
+              </a:ext>
+            </a:extLst>
+          </p:cNvPr>
+          <p:cNvPicPr>
+            <a:picLocks noChangeAspect="1"/>
+          </p:cNvPicPr>
+          <p:nvPr/>
+        </p:nvPicPr>
+        <p:blipFill>
+          <a:blip r:embed="rId3"/>
+          <a:stretch>
+            <a:fillRect/>
+          </a:stretch>
+        </p:blipFill>
+        <p:spPr>
+          <a:xfrm>
+            <a:off x="838200" y="964591"/>
+            <a:ext cx="6811153" cy="1979550"/>
+          </a:xfrm>
+          <a:prstGeom prst="rect">
+            <a:avLst/>
+          </a:prstGeom>
+        </p:spPr>
+      </p:pic>
+      <p:sp>
+        <p:nvSpPr>
+          <p:cNvPr id="11" name="Rectangle 10">
+            <a:extLst>
+              <a:ext uri="{FF2B5EF4-FFF2-40B4-BE49-F238E27FC236}">
+                <a16:creationId xmlns:a16="http://schemas.microsoft.com/office/drawing/2014/main" id="{9E929D91-2FDB-4423-AED4-480DEC0932DA}"/>
               </a:ext>
             </a:extLst>
           </p:cNvPr>
@@ -5987,7 +6102,10 @@
             <a:avLst/>
           </a:prstGeom>
           <a:solidFill>
-            <a:srgbClr val="92D050"/>
+            <a:schemeClr val="accent2">
+              <a:lumMod val="60000"/>
+              <a:lumOff val="40000"/>
+            </a:schemeClr>
           </a:solidFill>
           <a:ln>
             <a:noFill/>
@@ -6018,156 +6136,10 @@
           </a:p>
         </p:txBody>
       </p:sp>
-      <p:sp>
-        <p:nvSpPr>
-          <p:cNvPr id="2" name="TextBox 1">
-            <a:extLst>
-              <a:ext uri="{FF2B5EF4-FFF2-40B4-BE49-F238E27FC236}">
-                <a16:creationId xmlns:a16="http://schemas.microsoft.com/office/drawing/2014/main" id="{A10D4D63-368D-48BB-8AA0-2F7C84F1E061}"/>
-              </a:ext>
-            </a:extLst>
-          </p:cNvPr>
-          <p:cNvSpPr txBox="1"/>
-          <p:nvPr/>
-        </p:nvSpPr>
-        <p:spPr>
-          <a:xfrm>
-            <a:off x="7288823" y="905608"/>
-            <a:ext cx="4440115" cy="2308324"/>
-          </a:xfrm>
-          <a:prstGeom prst="rect">
-            <a:avLst/>
-          </a:prstGeom>
-          <a:noFill/>
-        </p:spPr>
-        <p:txBody>
-          <a:bodyPr wrap="square" rtlCol="0">
-            <a:spAutoFit/>
-          </a:bodyPr>
-          <a:lstStyle/>
-          <a:p>
-            <a:r>
-              <a:rPr lang="en-US" dirty="0">
-                <a:hlinkClick r:id="rId2"/>
-              </a:rPr>
-              <a:t>https://bugs.tryton.org/issue1721</a:t>
-            </a:r>
-          </a:p>
-          <a:p>
-            <a:r>
-              <a:rPr lang="en-US" dirty="0">
-                <a:hlinkClick r:id="rId2"/>
-              </a:rPr>
-              <a:t>https://bugs.tryton.org/issue4201</a:t>
-            </a:r>
-            <a:endParaRPr lang="en-US" dirty="0"/>
-          </a:p>
-          <a:p>
-            <a:r>
-              <a:rPr lang="fr-BE" dirty="0">
-                <a:hlinkClick r:id="rId3"/>
-              </a:rPr>
-              <a:t>https://hg.tryton.org/trytond/file/20f6cdea9808/trytond/ir/attachment.py#l148</a:t>
-            </a:r>
-            <a:endParaRPr lang="fr-BE" dirty="0"/>
-          </a:p>
-          <a:p>
-            <a:endParaRPr lang="fr-BE" dirty="0"/>
-          </a:p>
-          <a:p>
-            <a:r>
-              <a:rPr lang="en-GB" dirty="0"/>
-              <a:t>You must give write permission to user running </a:t>
-            </a:r>
-            <a:r>
-              <a:rPr lang="en-GB" dirty="0" err="1"/>
-              <a:t>trytond</a:t>
-            </a:r>
-            <a:r>
-              <a:rPr lang="en-GB" dirty="0"/>
-              <a:t> to this directory or change the </a:t>
-            </a:r>
-            <a:r>
-              <a:rPr lang="en-GB" dirty="0" err="1"/>
-              <a:t>data_path</a:t>
-            </a:r>
-            <a:r>
-              <a:rPr lang="en-GB"/>
-              <a:t> in the config file.</a:t>
-            </a:r>
-            <a:endParaRPr lang="en-US" dirty="0"/>
-          </a:p>
-        </p:txBody>
-      </p:sp>
-      <p:sp>
-        <p:nvSpPr>
-          <p:cNvPr id="10" name="TextBox 9">
-            <a:extLst>
-              <a:ext uri="{FF2B5EF4-FFF2-40B4-BE49-F238E27FC236}">
-                <a16:creationId xmlns:a16="http://schemas.microsoft.com/office/drawing/2014/main" id="{FCB15038-85F0-4E4A-BCC4-C940B93A39B9}"/>
-              </a:ext>
-            </a:extLst>
-          </p:cNvPr>
-          <p:cNvSpPr txBox="1"/>
-          <p:nvPr/>
-        </p:nvSpPr>
-        <p:spPr>
-          <a:xfrm>
-            <a:off x="7348090" y="3429000"/>
-            <a:ext cx="4064977" cy="369332"/>
-          </a:xfrm>
-          <a:prstGeom prst="rect">
-            <a:avLst/>
-          </a:prstGeom>
-          <a:noFill/>
-        </p:spPr>
-        <p:txBody>
-          <a:bodyPr wrap="square">
-            <a:spAutoFit/>
-          </a:bodyPr>
-          <a:lstStyle/>
-          <a:p>
-            <a:r>
-              <a:rPr lang="en-BE" dirty="0"/>
-              <a:t>https://bugs.tryton.org/issue59</a:t>
-            </a:r>
-          </a:p>
-        </p:txBody>
-      </p:sp>
-      <p:pic>
-        <p:nvPicPr>
-          <p:cNvPr id="5" name="Picture 4">
-            <a:extLst>
-              <a:ext uri="{FF2B5EF4-FFF2-40B4-BE49-F238E27FC236}">
-                <a16:creationId xmlns:a16="http://schemas.microsoft.com/office/drawing/2014/main" id="{9B06B8D5-B8AA-4AB6-8F8F-12BE362D67C1}"/>
-              </a:ext>
-            </a:extLst>
-          </p:cNvPr>
-          <p:cNvPicPr>
-            <a:picLocks noChangeAspect="1"/>
-          </p:cNvPicPr>
-          <p:nvPr/>
-        </p:nvPicPr>
-        <p:blipFill>
-          <a:blip r:embed="rId4"/>
-          <a:stretch>
-            <a:fillRect/>
-          </a:stretch>
-        </p:blipFill>
-        <p:spPr>
-          <a:xfrm>
-            <a:off x="838200" y="905608"/>
-            <a:ext cx="5975838" cy="4382831"/>
-          </a:xfrm>
-          <a:prstGeom prst="rect">
-            <a:avLst/>
-          </a:prstGeom>
-        </p:spPr>
-      </p:pic>
     </p:spTree>
     <p:extLst>
       <p:ext uri="{BB962C8B-B14F-4D97-AF65-F5344CB8AC3E}">
-        <p14:creationId xmlns:p14="http://schemas.microsoft.com/office/powerpoint/2010/main" val="3684141071"/>
+        <p14:creationId xmlns:p14="http://schemas.microsoft.com/office/powerpoint/2010/main" val="344660939"/>
       </p:ext>
     </p:extLst>
   </p:cSld>
